--- a/documents/posters/Shin et al. SCCUR 2017 FinalDraft.pptx
+++ b/documents/posters/Shin et al. SCCUR 2017 FinalDraft.pptx
@@ -225,7 +225,7 @@
   </p:defaultTextStyle>
   <p:extLst>
     <p:ext uri="{EFAFB233-063F-42B5-8137-9DF3F51BA10A}">
-      <p15:sldGuideLst xmlns="" xmlns:p15="http://schemas.microsoft.com/office/powerpoint/2012/main">
+      <p15:sldGuideLst xmlns:p15="http://schemas.microsoft.com/office/powerpoint/2012/main">
         <p15:guide id="1" orient="horz" pos="10368">
           <p15:clr>
             <a:srgbClr val="A4A3A4"/>
@@ -9829,31 +9829,34 @@
                   <a:schemeClr val="dk1"/>
                 </a:solidFill>
               </a:rPr>
-              <a:t>Arrowhead and </a:t>
-            </a:r>
-            <a:r>
-              <a:rPr lang="en-US" sz="2500" dirty="0" smtClean="0">
-                <a:solidFill>
-                  <a:schemeClr val="dk1"/>
-                </a:solidFill>
-              </a:rPr>
-              <a:t>blunt markers are </a:t>
-            </a:r>
+              <a:t>Arrowhead and blunt markers are centered and the tips no longer hide behind the node.</a:t>
+            </a:r>
+          </a:p>
+          <a:p>
+            <a:pPr marL="236538" marR="0" lvl="0" indent="-236538" algn="l" rtl="0">
+              <a:lnSpc>
+                <a:spcPct val="100000"/>
+              </a:lnSpc>
+              <a:spcBef>
+                <a:spcPts val="0"/>
+              </a:spcBef>
+              <a:spcAft>
+                <a:spcPts val="0"/>
+              </a:spcAft>
+              <a:buClr>
+                <a:srgbClr val="003700"/>
+              </a:buClr>
+              <a:buSzPct val="100000"/>
+              <a:buFont typeface="Arial"/>
+              <a:buChar char="•"/>
+            </a:pPr>
             <a:r>
               <a:rPr lang="en-US" sz="2500" dirty="0">
                 <a:solidFill>
                   <a:schemeClr val="dk1"/>
                 </a:solidFill>
               </a:rPr>
-              <a:t>centered and the tips no longer hide behind the node</a:t>
-            </a:r>
-            <a:r>
-              <a:rPr lang="en-US" sz="2500" dirty="0" smtClean="0">
-                <a:solidFill>
-                  <a:schemeClr val="dk1"/>
-                </a:solidFill>
-              </a:rPr>
-              <a:t>.</a:t>
+              <a:t>Zoom and Scrolling feature is enabled.</a:t>
             </a:r>
           </a:p>
           <a:p>
@@ -9875,34 +9878,7 @@
               <a:buChar char="•"/>
             </a:pPr>
             <a:r>
-              <a:rPr lang="en-US" sz="2500" dirty="0" smtClean="0">
-                <a:solidFill>
-                  <a:schemeClr val="dk1"/>
-                </a:solidFill>
-              </a:rPr>
-              <a:t>Zoom and Scrolling feature is enabled.</a:t>
-            </a:r>
-          </a:p>
-          <a:p>
-            <a:pPr marL="236538" marR="0" lvl="0" indent="-236538" algn="l" rtl="0">
-              <a:lnSpc>
-                <a:spcPct val="100000"/>
-              </a:lnSpc>
-              <a:spcBef>
-                <a:spcPts val="0"/>
-              </a:spcBef>
-              <a:spcAft>
-                <a:spcPts val="0"/>
-              </a:spcAft>
-              <a:buClr>
-                <a:srgbClr val="003700"/>
-              </a:buClr>
-              <a:buSzPct val="100000"/>
-              <a:buFont typeface="Arial"/>
-              <a:buChar char="•"/>
-            </a:pPr>
-            <a:r>
-              <a:rPr lang="en-US" sz="2500" dirty="0" smtClean="0">
+              <a:rPr lang="en-US" sz="2500" dirty="0">
                 <a:solidFill>
                   <a:schemeClr val="dk1"/>
                 </a:solidFill>
@@ -9929,7 +9905,7 @@
               <a:buChar char="•"/>
             </a:pPr>
             <a:r>
-              <a:rPr lang="en-US" sz="2500" dirty="0" smtClean="0">
+              <a:rPr lang="en-US" sz="2500" dirty="0">
                 <a:solidFill>
                   <a:schemeClr val="dk1"/>
                 </a:solidFill>
@@ -9956,7 +9932,7 @@
               <a:buChar char="•"/>
             </a:pPr>
             <a:r>
-              <a:rPr lang="en-US" sz="2500" dirty="0" smtClean="0">
+              <a:rPr lang="en-US" sz="2500" dirty="0">
                 <a:solidFill>
                   <a:schemeClr val="dk1"/>
                 </a:solidFill>
@@ -9983,7 +9959,7 @@
               <a:buChar char="•"/>
             </a:pPr>
             <a:r>
-              <a:rPr lang="en-US" sz="2500" dirty="0" smtClean="0">
+              <a:rPr lang="en-US" sz="2500" dirty="0">
                 <a:solidFill>
                   <a:schemeClr val="dk1"/>
                 </a:solidFill>
@@ -10004,21 +9980,8 @@
                   <a:schemeClr val="dk1"/>
                 </a:solidFill>
               </a:rPr>
-              <a:t> and SIF support with thorough error and warning </a:t>
-            </a:r>
-            <a:r>
-              <a:rPr lang="en-US" sz="2500" dirty="0" smtClean="0">
-                <a:solidFill>
-                  <a:schemeClr val="dk1"/>
-                </a:solidFill>
-              </a:rPr>
-              <a:t>details.</a:t>
-            </a:r>
-            <a:endParaRPr lang="en-US" sz="2500" dirty="0">
-              <a:solidFill>
-                <a:schemeClr val="dk1"/>
-              </a:solidFill>
-            </a:endParaRPr>
+              <a:t> and SIF support with thorough error and warning details.</a:t>
+            </a:r>
           </a:p>
         </p:txBody>
       </p:sp>
@@ -10066,8 +10029,37 @@
               <a:buFont typeface="Arial"/>
               <a:buChar char="•"/>
             </a:pPr>
-            <a:r>
-              <a:rPr lang="en-US" sz="2200" b="0" i="0" u="none" strike="noStrike" cap="none" baseline="0" dirty="0">
+            <a:endParaRPr lang="en-US" sz="400" b="0" i="0" u="none" strike="noStrike" cap="none" baseline="0" dirty="0">
+              <a:solidFill>
+                <a:srgbClr val="000000"/>
+              </a:solidFill>
+              <a:latin typeface="Arial"/>
+              <a:ea typeface="Arial"/>
+              <a:cs typeface="Arial"/>
+              <a:sym typeface="Arial"/>
+              <a:rtl val="0"/>
+            </a:endParaRPr>
+          </a:p>
+          <a:p>
+            <a:pPr marL="236538" marR="0" lvl="0" indent="-233363" algn="l" rtl="0">
+              <a:lnSpc>
+                <a:spcPct val="100000"/>
+              </a:lnSpc>
+              <a:spcBef>
+                <a:spcPts val="0"/>
+              </a:spcBef>
+              <a:spcAft>
+                <a:spcPts val="0"/>
+              </a:spcAft>
+              <a:buClr>
+                <a:srgbClr val="333333"/>
+              </a:buClr>
+              <a:buSzPct val="100000"/>
+              <a:buFont typeface="Arial"/>
+              <a:buChar char="•"/>
+            </a:pPr>
+            <a:r>
+              <a:rPr lang="en-US" sz="1700" b="0" i="0" u="none" strike="noStrike" cap="none" baseline="0" dirty="0">
                 <a:solidFill>
                   <a:srgbClr val="000000"/>
                 </a:solidFill>
@@ -10077,10 +10069,10 @@
                 <a:sym typeface="Arial"/>
                 <a:rtl val="0"/>
               </a:rPr>
-              <a:t>This work is partially supported by NSF award 0921038 </a:t>
-            </a:r>
-            <a:r>
-              <a:rPr lang="en-US" sz="2200" b="0" i="0" u="none" strike="noStrike" cap="none" baseline="0">
+              <a:t>This work is partially supported by NSF award 0921038 (K.D.D., B.G.F.),</a:t>
+            </a:r>
+            <a:r>
+              <a:rPr lang="en-US" sz="1700" b="0" i="0" u="none" strike="noStrike" cap="none" dirty="0">
                 <a:solidFill>
                   <a:srgbClr val="000000"/>
                 </a:solidFill>
@@ -10090,10 +10082,10 @@
                 <a:sym typeface="Arial"/>
                 <a:rtl val="0"/>
               </a:rPr>
-              <a:t>(K.D.D., B.G.F.),</a:t>
-            </a:r>
-            <a:r>
-              <a:rPr lang="en-US" sz="2200" b="0" i="0" u="none" strike="noStrike" cap="none">
+              <a:t> a </a:t>
+            </a:r>
+            <a:r>
+              <a:rPr lang="en-US" sz="1700" b="0" i="0" u="none" strike="noStrike" cap="none" dirty="0" err="1">
                 <a:solidFill>
                   <a:srgbClr val="000000"/>
                 </a:solidFill>
@@ -10103,10 +10095,10 @@
                 <a:sym typeface="Arial"/>
                 <a:rtl val="0"/>
               </a:rPr>
-              <a:t> a Kadner-Pitts Research Grant (K.D.D.), </a:t>
-            </a:r>
-            <a:r>
-              <a:rPr lang="en-US" sz="2200" b="0" i="0" u="none" strike="noStrike" cap="none" baseline="0">
+              <a:t>Kadner</a:t>
+            </a:r>
+            <a:r>
+              <a:rPr lang="en-US" sz="1700" b="0" i="0" u="none" strike="noStrike" cap="none" dirty="0">
                 <a:solidFill>
                   <a:srgbClr val="000000"/>
                 </a:solidFill>
@@ -10116,10 +10108,10 @@
                 <a:sym typeface="Arial"/>
                 <a:rtl val="0"/>
               </a:rPr>
-              <a:t>the </a:t>
-            </a:r>
-            <a:r>
-              <a:rPr lang="en-US" sz="2200" b="0" i="0" u="none" strike="noStrike" cap="none" baseline="0" dirty="0">
+              <a:t>-Pitts Research Grant (K.D.D.), </a:t>
+            </a:r>
+            <a:r>
+              <a:rPr lang="en-US" sz="1700" b="0" i="0" u="none" strike="noStrike" cap="none" baseline="0" dirty="0">
                 <a:solidFill>
                   <a:srgbClr val="000000"/>
                 </a:solidFill>
@@ -10129,10 +10121,10 @@
                 <a:sym typeface="Arial"/>
                 <a:rtl val="0"/>
               </a:rPr>
-              <a:t>Loyola Marymount University Rains Research Assistant Program </a:t>
-            </a:r>
-            <a:r>
-              <a:rPr lang="en-US" sz="2200" b="0" i="0" u="none" strike="noStrike" cap="none" baseline="0">
+              <a:t>the Loyola Marymount University Rains Research Assistant Program (N.A.A.),</a:t>
+            </a:r>
+            <a:r>
+              <a:rPr lang="en-US" sz="1700" b="0" i="0" u="none" strike="noStrike" cap="none" dirty="0">
                 <a:solidFill>
                   <a:srgbClr val="000000"/>
                 </a:solidFill>
@@ -10142,10 +10134,10 @@
                 <a:sym typeface="Arial"/>
                 <a:rtl val="0"/>
               </a:rPr>
-              <a:t>(N.A.A.),</a:t>
-            </a:r>
-            <a:r>
-              <a:rPr lang="en-US" sz="2200" b="0" i="0" u="none" strike="noStrike" cap="none">
+              <a:t> and the Loyola Marymount University Summer Undergraduate Research Program (A.V.).</a:t>
+            </a:r>
+            <a:r>
+              <a:rPr lang="en-US" sz="1700" b="0" i="0" u="none" strike="noStrike" cap="none" baseline="0" dirty="0">
                 <a:solidFill>
                   <a:srgbClr val="000000"/>
                 </a:solidFill>
@@ -10157,46 +10149,53 @@
               </a:rPr>
               <a:t> </a:t>
             </a:r>
-            <a:r>
-              <a:rPr lang="en-US" sz="2200" b="0" i="0" u="none" strike="noStrike" cap="none" dirty="0">
-                <a:solidFill>
-                  <a:srgbClr val="000000"/>
-                </a:solidFill>
-                <a:latin typeface="Arial"/>
-                <a:ea typeface="Arial"/>
-                <a:cs typeface="Arial"/>
-                <a:sym typeface="Arial"/>
-                <a:rtl val="0"/>
-              </a:rPr>
-              <a:t>and the Loyola Marymount University Summer Undergraduate Research Program </a:t>
-            </a:r>
-            <a:r>
-              <a:rPr lang="en-US" sz="2200" b="0" i="0" u="none" strike="noStrike" cap="none">
-                <a:solidFill>
-                  <a:srgbClr val="000000"/>
-                </a:solidFill>
-                <a:latin typeface="Arial"/>
-                <a:ea typeface="Arial"/>
-                <a:cs typeface="Arial"/>
-                <a:sym typeface="Arial"/>
-                <a:rtl val="0"/>
-              </a:rPr>
-              <a:t>(A.V.).</a:t>
-            </a:r>
-            <a:r>
-              <a:rPr lang="en-US" sz="2200" b="0" i="0" u="none" strike="noStrike" cap="none" baseline="0">
-                <a:solidFill>
-                  <a:srgbClr val="000000"/>
-                </a:solidFill>
-                <a:latin typeface="Arial"/>
-                <a:ea typeface="Arial"/>
-                <a:cs typeface="Arial"/>
-                <a:sym typeface="Arial"/>
-                <a:rtl val="0"/>
-              </a:rPr>
+          </a:p>
+          <a:p>
+            <a:pPr marL="236538" lvl="0" indent="-233363">
+              <a:buClr>
+                <a:srgbClr val="333333"/>
+              </a:buClr>
+              <a:buSzPct val="100000"/>
+              <a:buFont typeface="Arial"/>
+              <a:buChar char="•"/>
+            </a:pPr>
+            <a:r>
+              <a:rPr lang="en-US" sz="1700" dirty="0"/>
+              <a:t>We would like to thank Nicole Anguiano, </a:t>
+            </a:r>
+            <a:r>
+              <a:rPr lang="en-US" sz="1700" dirty="0" err="1"/>
+              <a:t>Anindita</a:t>
+            </a:r>
+            <a:r>
+              <a:rPr lang="en-US" sz="1700" dirty="0"/>
               <a:t> </a:t>
             </a:r>
-            <a:endParaRPr lang="en-US" sz="2200" b="0" i="0" u="none" strike="noStrike" cap="none" baseline="0" dirty="0">
+            <a:r>
+              <a:rPr lang="en-US" sz="1700" dirty="0" err="1"/>
+              <a:t>Varshneya</a:t>
+            </a:r>
+            <a:r>
+              <a:rPr lang="en-US" sz="1700" dirty="0"/>
+              <a:t>, and Mihir </a:t>
+            </a:r>
+            <a:r>
+              <a:rPr lang="en-US" sz="1700" dirty="0" err="1"/>
+              <a:t>Samdarshi</a:t>
+            </a:r>
+            <a:r>
+              <a:rPr lang="en-US" sz="1700" dirty="0"/>
+              <a:t> for their work on </a:t>
+            </a:r>
+            <a:r>
+              <a:rPr lang="en-US" sz="1700" dirty="0" err="1"/>
+              <a:t>GRNsight</a:t>
+            </a:r>
+            <a:r>
+              <a:rPr lang="en-US" sz="1700" dirty="0"/>
+              <a:t>.</a:t>
+            </a:r>
+            <a:endParaRPr lang="en-US" sz="1700" b="0" i="0" u="none" strike="noStrike" cap="none" baseline="0" dirty="0">
               <a:solidFill>
                 <a:srgbClr val="000000"/>
               </a:solidFill>
@@ -10769,7 +10768,7 @@
               <a:buSzPct val="25000"/>
             </a:pPr>
             <a:r>
-              <a:rPr lang="en-US" sz="4800" dirty="0" smtClean="0">
+              <a:rPr lang="en-US" sz="4800" dirty="0">
                 <a:solidFill>
                   <a:srgbClr val="017C00"/>
                 </a:solidFill>
@@ -10908,12 +10907,8 @@
               <a:buSzPct val="100000"/>
             </a:pPr>
             <a:r>
-              <a:rPr lang="en-US" sz="2200" b="1" dirty="0" smtClean="0"/>
-              <a:t>Force </a:t>
-            </a:r>
-            <a:r>
               <a:rPr lang="en-US" sz="2200" b="1" dirty="0"/>
-              <a:t>Graph Parameter Sliders </a:t>
+              <a:t>Force Graph Parameter Sliders </a:t>
             </a:r>
             <a:endParaRPr lang="en-US" sz="2200" b="1" dirty="0">
               <a:solidFill>
@@ -11702,11 +11697,7 @@
             </a:pPr>
             <a:r>
               <a:rPr lang="en-US" sz="2200" dirty="0"/>
-              <a:t>The arrowheads are centered on the </a:t>
-            </a:r>
-            <a:r>
-              <a:rPr lang="en-US" sz="2200" dirty="0" smtClean="0"/>
-              <a:t>edge.</a:t>
+              <a:t>The arrowheads are centered on the edge.</a:t>
             </a:r>
           </a:p>
           <a:p>
@@ -11719,7 +11710,7 @@
               <a:buChar char="•"/>
             </a:pPr>
             <a:r>
-              <a:rPr lang="en-US" sz="2200" dirty="0" smtClean="0"/>
+              <a:rPr lang="en-US" sz="2200" dirty="0"/>
               <a:t>The tips of the arrowheads are not comparably shown instead of being hidden underneath the node. </a:t>
             </a:r>
           </a:p>
@@ -11732,35 +11723,14 @@
               <a:buFont typeface="Arial"/>
               <a:buChar char="•"/>
             </a:pPr>
-            <a:r>
-              <a:rPr lang="en-US" sz="2200" dirty="0" smtClean="0">
-                <a:solidFill>
-                  <a:schemeClr val="dk1"/>
-                </a:solidFill>
-              </a:rPr>
-              <a:t>Each </a:t>
-            </a:r>
             <a:r>
               <a:rPr lang="en-US" sz="2200" dirty="0">
                 <a:solidFill>
                   <a:schemeClr val="dk1"/>
                 </a:solidFill>
               </a:rPr>
-              <a:t>visual adjustments were carefully tested with according test files</a:t>
-            </a:r>
-            <a:r>
-              <a:rPr lang="en-US" sz="2200" dirty="0" smtClean="0">
-                <a:solidFill>
-                  <a:schemeClr val="dk1"/>
-                </a:solidFill>
-              </a:rPr>
-              <a:t>.</a:t>
-            </a:r>
-            <a:endParaRPr lang="en-US" sz="2200" dirty="0">
-              <a:solidFill>
-                <a:schemeClr val="dk1"/>
-              </a:solidFill>
-            </a:endParaRPr>
+              <a:t>Each visual adjustments were carefully tested with according test files.</a:t>
+            </a:r>
           </a:p>
         </p:txBody>
       </p:sp>
@@ -13933,46 +13903,21 @@
             </a:pPr>
             <a:r>
               <a:rPr lang="en-US" sz="2200" dirty="0"/>
-              <a:t>The </a:t>
-            </a:r>
-            <a:r>
-              <a:rPr lang="en-US" sz="2200" dirty="0" smtClean="0"/>
-              <a:t>blunt markers </a:t>
-            </a:r>
+              <a:t>The blunt markers are centered. </a:t>
+            </a:r>
+          </a:p>
+          <a:p>
+            <a:pPr marL="236538" lvl="0" indent="-236538">
+              <a:buClr>
+                <a:srgbClr val="000000"/>
+              </a:buClr>
+              <a:buSzPct val="100000"/>
+              <a:buFont typeface="Arial"/>
+              <a:buChar char="•"/>
+            </a:pPr>
             <a:r>
               <a:rPr lang="en-US" sz="2200" dirty="0"/>
-              <a:t>are centered. </a:t>
-            </a:r>
-            <a:endParaRPr lang="en-US" sz="2200" dirty="0" smtClean="0"/>
-          </a:p>
-          <a:p>
-            <a:pPr marL="236538" lvl="0" indent="-236538">
-              <a:buClr>
-                <a:srgbClr val="000000"/>
-              </a:buClr>
-              <a:buSzPct val="100000"/>
-              <a:buFont typeface="Arial"/>
-              <a:buChar char="•"/>
-            </a:pPr>
-            <a:r>
-              <a:rPr lang="en-US" sz="2200" dirty="0" smtClean="0"/>
-              <a:t>The </a:t>
-            </a:r>
-            <a:r>
-              <a:rPr lang="en-US" sz="2200" dirty="0"/>
-              <a:t>edges now display equivalent spacing for </a:t>
-            </a:r>
-            <a:r>
-              <a:rPr lang="en-US" sz="2200" dirty="0" smtClean="0"/>
-              <a:t>both cases: when </a:t>
-            </a:r>
-            <a:r>
-              <a:rPr lang="en-US" sz="2200" dirty="0"/>
-              <a:t>the target node is to the right from the source node and when it is to the </a:t>
-            </a:r>
-            <a:r>
-              <a:rPr lang="en-US" sz="2200" dirty="0" smtClean="0"/>
-              <a:t>left of the source node.</a:t>
+              <a:t>The edges now display equivalent spacing for both cases: when the target node is to the right from the source node and when it is to the left of the source node.</a:t>
             </a:r>
           </a:p>
           <a:p>
@@ -14322,7 +14267,7 @@
           <p:cNvPr id="25" name="Picture 24">
             <a:extLst>
               <a:ext uri="{FF2B5EF4-FFF2-40B4-BE49-F238E27FC236}">
-                <a16:creationId xmlns="" xmlns:a16="http://schemas.microsoft.com/office/drawing/2014/main" id="{12839090-9348-4086-ADAC-CA2423A1364F}"/>
+                <a16:creationId xmlns:a16="http://schemas.microsoft.com/office/drawing/2014/main" id="{12839090-9348-4086-ADAC-CA2423A1364F}"/>
               </a:ext>
             </a:extLst>
           </p:cNvPr>
@@ -14376,13 +14321,8 @@
             </a:r>
             <a:r>
               <a:rPr lang="en-US" sz="2400" b="1" dirty="0"/>
-              <a:t> </a:t>
-            </a:r>
-            <a:r>
-              <a:rPr lang="en-US" sz="2400" b="1" dirty="0" smtClean="0"/>
-              <a:t>technology stack</a:t>
-            </a:r>
-            <a:endParaRPr lang="en-US" sz="2400" b="1" dirty="0"/>
+              <a:t> technology stack</a:t>
+            </a:r>
           </a:p>
         </p:txBody>
       </p:sp>
@@ -14596,7 +14536,6 @@
               <a:rPr lang="en-US" sz="2400" b="1" dirty="0"/>
               <a:t>Test-driven development cycle</a:t>
             </a:r>
-            <a:endParaRPr lang="en-US" sz="2400" b="1" dirty="0"/>
           </a:p>
         </p:txBody>
       </p:sp>
@@ -14627,14 +14566,13 @@
               <a:buChar char="•"/>
             </a:pPr>
             <a:r>
-              <a:rPr lang="en-US" sz="3600" dirty="0" err="1" smtClean="0"/>
+              <a:rPr lang="en-US" sz="3600" dirty="0" err="1"/>
               <a:t>GRNsight</a:t>
             </a:r>
             <a:r>
-              <a:rPr lang="en-US" sz="3600" dirty="0" smtClean="0"/>
+              <a:rPr lang="en-US" sz="3600" dirty="0"/>
               <a:t> is written in JavaScript and follows software engineering best practices</a:t>
             </a:r>
-            <a:endParaRPr lang="en-US" sz="3600" dirty="0"/>
           </a:p>
         </p:txBody>
       </p:sp>
@@ -14953,10 +14891,9 @@
               <a:buSzPct val="100000"/>
             </a:pPr>
             <a:r>
-              <a:rPr lang="en-US" sz="2200" b="1" dirty="0" smtClean="0"/>
+              <a:rPr lang="en-US" sz="2200" b="1" dirty="0"/>
               <a:t>File Formats</a:t>
             </a:r>
-            <a:endParaRPr lang="en-US" sz="2200" b="1" dirty="0"/>
           </a:p>
           <a:p>
             <a:pPr marL="457200" lvl="0" indent="-236538">
@@ -14968,7 +14905,7 @@
               <a:buChar char="•"/>
             </a:pPr>
             <a:r>
-              <a:rPr lang="en-US" sz="2000" dirty="0" smtClean="0">
+              <a:rPr lang="en-US" sz="2000" dirty="0">
                 <a:solidFill>
                   <a:schemeClr val="dk1"/>
                 </a:solidFill>
@@ -14976,7 +14913,7 @@
               <a:t>Can open an Excel workbook and import SIF or </a:t>
             </a:r>
             <a:r>
-              <a:rPr lang="en-US" sz="2000" dirty="0" err="1" smtClean="0">
+              <a:rPr lang="en-US" sz="2000" dirty="0" err="1">
                 <a:solidFill>
                   <a:schemeClr val="dk1"/>
                 </a:solidFill>
@@ -14984,7 +14921,7 @@
               <a:t>GraphML</a:t>
             </a:r>
             <a:r>
-              <a:rPr lang="en-US" sz="2000" dirty="0" smtClean="0">
+              <a:rPr lang="en-US" sz="2000" dirty="0">
                 <a:solidFill>
                   <a:schemeClr val="dk1"/>
                 </a:solidFill>
@@ -15002,7 +14939,7 @@
               <a:buChar char="•"/>
             </a:pPr>
             <a:r>
-              <a:rPr lang="en-US" sz="2000" dirty="0" smtClean="0">
+              <a:rPr lang="en-US" sz="2000" dirty="0">
                 <a:solidFill>
                   <a:schemeClr val="dk1"/>
                 </a:solidFill>
@@ -15020,7 +14957,7 @@
               <a:buChar char="•"/>
             </a:pPr>
             <a:r>
-              <a:rPr lang="en-US" sz="2000" dirty="0" smtClean="0">
+              <a:rPr lang="en-US" sz="2000" dirty="0">
                 <a:solidFill>
                   <a:schemeClr val="dk1"/>
                 </a:solidFill>
@@ -15028,7 +14965,7 @@
               <a:t>Demo files with weighted and </a:t>
             </a:r>
             <a:r>
-              <a:rPr lang="en-US" sz="2000" dirty="0" err="1" smtClean="0">
+              <a:rPr lang="en-US" sz="2000" dirty="0" err="1">
                 <a:solidFill>
                   <a:schemeClr val="dk1"/>
                 </a:solidFill>
@@ -15036,18 +14973,13 @@
               <a:t>unweighted</a:t>
             </a:r>
             <a:r>
-              <a:rPr lang="en-US" sz="2000" dirty="0" smtClean="0">
+              <a:rPr lang="en-US" sz="2000" dirty="0">
                 <a:solidFill>
                   <a:schemeClr val="dk1"/>
                 </a:solidFill>
               </a:rPr>
               <a:t> graphs.</a:t>
             </a:r>
-            <a:endParaRPr lang="en-US" sz="2000" dirty="0">
-              <a:solidFill>
-                <a:schemeClr val="dk1"/>
-              </a:solidFill>
-            </a:endParaRPr>
           </a:p>
         </p:txBody>
       </p:sp>
@@ -15340,10 +15272,9 @@
               <a:buSzPct val="100000"/>
             </a:pPr>
             <a:r>
-              <a:rPr lang="en-US" sz="2200" b="1" dirty="0" smtClean="0"/>
+              <a:rPr lang="en-US" sz="2200" b="1" dirty="0"/>
               <a:t>Viewport</a:t>
             </a:r>
-            <a:endParaRPr lang="en-US" sz="2200" b="1" dirty="0"/>
           </a:p>
           <a:p>
             <a:pPr marL="457200" lvl="0" indent="-236538">
@@ -15355,7 +15286,7 @@
               <a:buChar char="•"/>
             </a:pPr>
             <a:r>
-              <a:rPr lang="en-US" sz="2000" dirty="0" smtClean="0">
+              <a:rPr lang="en-US" sz="2000" dirty="0">
                 <a:solidFill>
                   <a:schemeClr val="dk1"/>
                 </a:solidFill>
@@ -15373,7 +15304,7 @@
               <a:buChar char="•"/>
             </a:pPr>
             <a:r>
-              <a:rPr lang="en-US" sz="2000" dirty="0" smtClean="0">
+              <a:rPr lang="en-US" sz="2000" dirty="0">
                 <a:solidFill>
                   <a:schemeClr val="dk1"/>
                 </a:solidFill>
@@ -15391,18 +15322,13 @@
               <a:buChar char="•"/>
             </a:pPr>
             <a:r>
-              <a:rPr lang="en-US" sz="2000" dirty="0" smtClean="0">
+              <a:rPr lang="en-US" sz="2000" dirty="0">
                 <a:solidFill>
                   <a:schemeClr val="dk1"/>
                 </a:solidFill>
               </a:rPr>
               <a:t>Multiple viewport sizes available.</a:t>
             </a:r>
-            <a:endParaRPr lang="en-US" sz="2000" dirty="0">
-              <a:solidFill>
-                <a:schemeClr val="dk1"/>
-              </a:solidFill>
-            </a:endParaRPr>
           </a:p>
         </p:txBody>
       </p:sp>
@@ -15467,7 +15393,7 @@
               <a:buSzPct val="100000"/>
             </a:pPr>
             <a:r>
-              <a:rPr lang="en-US" sz="2200" b="1" dirty="0" smtClean="0"/>
+              <a:rPr lang="en-US" sz="2200" b="1" dirty="0"/>
               <a:t>Edge Weight Normalization</a:t>
             </a:r>
             <a:endParaRPr lang="en-US" sz="2200" b="1" dirty="0">
@@ -15486,30 +15412,25 @@
               <a:buChar char="•"/>
             </a:pPr>
             <a:r>
-              <a:rPr lang="en-US" sz="2000" dirty="0" smtClean="0">
+              <a:rPr lang="en-US" sz="2000" dirty="0">
                 <a:solidFill>
                   <a:schemeClr val="dk1"/>
                 </a:solidFill>
               </a:rPr>
               <a:t>Allows user to set normalization factor in user interface.</a:t>
             </a:r>
-            <a:endParaRPr lang="en-US" sz="2000" dirty="0">
-              <a:solidFill>
+          </a:p>
+          <a:p>
+            <a:pPr marL="457200" lvl="0" indent="-236538">
+              <a:buClr>
                 <a:schemeClr val="dk1"/>
-              </a:solidFill>
-            </a:endParaRPr>
-          </a:p>
-          <a:p>
-            <a:pPr marL="457200" lvl="0" indent="-236538">
-              <a:buClr>
-                <a:schemeClr val="dk1"/>
               </a:buClr>
               <a:buSzPct val="100000"/>
               <a:buFont typeface="Arial"/>
               <a:buChar char="•"/>
             </a:pPr>
             <a:r>
-              <a:rPr lang="en-US" sz="2000" dirty="0" smtClean="0">
+              <a:rPr lang="en-US" sz="2000" dirty="0">
                 <a:solidFill>
                   <a:schemeClr val="dk1"/>
                 </a:solidFill>
@@ -15527,18 +15448,13 @@
               <a:buChar char="•"/>
             </a:pPr>
             <a:r>
-              <a:rPr lang="en-US" sz="2000" dirty="0" smtClean="0">
+              <a:rPr lang="en-US" sz="2000" dirty="0">
                 <a:solidFill>
                   <a:schemeClr val="dk1"/>
                 </a:solidFill>
               </a:rPr>
               <a:t>Facilitates accurate visual comparison.</a:t>
             </a:r>
-            <a:endParaRPr lang="en-US" sz="2000" dirty="0">
-              <a:solidFill>
-                <a:schemeClr val="dk1"/>
-              </a:solidFill>
-            </a:endParaRPr>
           </a:p>
         </p:txBody>
       </p:sp>
@@ -15763,10 +15679,9 @@
               <a:buSzPct val="100000"/>
             </a:pPr>
             <a:r>
-              <a:rPr lang="en-US" sz="2200" b="1" dirty="0" smtClean="0"/>
+              <a:rPr lang="en-US" sz="2200" b="1" dirty="0"/>
               <a:t>Gray Edge Threshold</a:t>
             </a:r>
-            <a:endParaRPr lang="en-US" sz="2200" b="1" dirty="0"/>
           </a:p>
           <a:p>
             <a:pPr marL="342900" indent="-342900">
@@ -15774,16 +15689,8 @@
               <a:buChar char="•"/>
             </a:pPr>
             <a:r>
-              <a:rPr lang="en-US" sz="2000" dirty="0" smtClean="0"/>
-              <a:t>Slider </a:t>
-            </a:r>
-            <a:r>
               <a:rPr lang="en-US" sz="2000" dirty="0"/>
-              <a:t>allows the gray edge threshold to be </a:t>
-            </a:r>
-            <a:r>
-              <a:rPr lang="en-US" sz="2000" dirty="0" smtClean="0"/>
-              <a:t>customized.</a:t>
+              <a:t>Slider allows the gray edge threshold to be customized.</a:t>
             </a:r>
           </a:p>
           <a:p>
@@ -15792,12 +15699,8 @@
               <a:buChar char="•"/>
             </a:pPr>
             <a:r>
-              <a:rPr lang="en-US" sz="2000" dirty="0" smtClean="0"/>
-              <a:t>As </a:t>
-            </a:r>
-            <a:r>
               <a:rPr lang="en-US" sz="2000" dirty="0"/>
-              <a:t>the threshold value increases, only the highest magnitude regulatory relationships are rendered in color.</a:t>
+              <a:t>As the threshold value increases, only the highest magnitude regulatory relationships are rendered in color.</a:t>
             </a:r>
           </a:p>
         </p:txBody>
@@ -15953,13 +15856,6 @@
   <p:transition spd="slow">
     <p:cut/>
   </p:transition>
-  <p:timing>
-    <p:tnLst>
-      <p:par>
-        <p:cTn id="1" dur="indefinite" restart="never" nodeType="tmRoot"/>
-      </p:par>
-    </p:tnLst>
-  </p:timing>
 </p:sld>
 </file>
 
